--- a/ch06_ButtonToggle/Ch06_ButtonToggle.pptx
+++ b/ch06_ButtonToggle/Ch06_ButtonToggle.pptx
@@ -3789,10 +3789,10 @@
           <a:lstStyle/>
           <a:p>
             <a:r>
-              <a:rPr lang="en-US" sz="1600">
+              <a:rPr lang="en-US" sz="1600" dirty="0">
                 <a:hlinkClick r:id="rId2"/>
               </a:rPr>
-              <a:t>https://www.youtube.com/watch?v=N_KxVoq2HyM&amp;list=PLC3y8-rFHvwilEuCqFGTL5Gt5U6deIrsU&amp;index=5</a:t>
+              <a:t>https://www.youtube.com/watch?v=cRvqC9hPbLI&amp;list=PLC3y8-rFHvwilEuCqFGTL5Gt5U6deIrsU&amp;index=6</a:t>
             </a:r>
             <a:endParaRPr lang="en-US" sz="1600" b="1" i="1" dirty="0"/>
           </a:p>
@@ -4213,10 +4213,10 @@
           <a:lstStyle/>
           <a:p>
             <a:r>
-              <a:rPr lang="en-US" sz="1600">
+              <a:rPr lang="en-US" sz="1600" dirty="0">
                 <a:hlinkClick r:id="rId3"/>
               </a:rPr>
-              <a:t>https://www.youtube.com/watch?v=N_KxVoq2HyM&amp;list=PLC3y8-rFHvwilEuCqFGTL5Gt5U6deIrsU&amp;index=5</a:t>
+              <a:t>https://www.youtube.com/watch?v=cRvqC9hPbLI&amp;list=PLC3y8-rFHvwilEuCqFGTL5Gt5U6deIrsU&amp;index=6</a:t>
             </a:r>
             <a:endParaRPr lang="en-US" sz="1600" b="1" i="1" dirty="0"/>
           </a:p>
@@ -4765,10 +4765,10 @@
           <a:lstStyle/>
           <a:p>
             <a:r>
-              <a:rPr lang="en-US" sz="1600">
+              <a:rPr lang="en-US" sz="1600" dirty="0">
                 <a:hlinkClick r:id="rId3"/>
               </a:rPr>
-              <a:t>https://www.youtube.com/watch?v=N_KxVoq2HyM&amp;list=PLC3y8-rFHvwilEuCqFGTL5Gt5U6deIrsU&amp;index=5</a:t>
+              <a:t>https://www.youtube.com/watch?v=cRvqC9hPbLI&amp;list=PLC3y8-rFHvwilEuCqFGTL5Gt5U6deIrsU&amp;index=6</a:t>
             </a:r>
             <a:endParaRPr lang="en-US" sz="1600" b="1" i="1" dirty="0"/>
           </a:p>
@@ -5282,10 +5282,10 @@
           <a:lstStyle/>
           <a:p>
             <a:r>
-              <a:rPr lang="en-US" sz="1600">
+              <a:rPr lang="en-US" sz="1600" dirty="0">
                 <a:hlinkClick r:id="rId3"/>
               </a:rPr>
-              <a:t>https://www.youtube.com/watch?v=N_KxVoq2HyM&amp;list=PLC3y8-rFHvwilEuCqFGTL5Gt5U6deIrsU&amp;index=5</a:t>
+              <a:t>https://www.youtube.com/watch?v=cRvqC9hPbLI&amp;list=PLC3y8-rFHvwilEuCqFGTL5Gt5U6deIrsU&amp;index=6</a:t>
             </a:r>
             <a:endParaRPr lang="en-US" sz="1600" b="1" i="1" dirty="0"/>
           </a:p>
@@ -5656,10 +5656,10 @@
           <a:lstStyle/>
           <a:p>
             <a:r>
-              <a:rPr lang="en-US" sz="1600">
+              <a:rPr lang="en-US" sz="1600" dirty="0">
                 <a:hlinkClick r:id="rId3"/>
               </a:rPr>
-              <a:t>https://www.youtube.com/watch?v=N_KxVoq2HyM&amp;list=PLC3y8-rFHvwilEuCqFGTL5Gt5U6deIrsU&amp;index=5</a:t>
+              <a:t>https://www.youtube.com/watch?v=cRvqC9hPbLI&amp;list=PLC3y8-rFHvwilEuCqFGTL5Gt5U6deIrsU&amp;index=6</a:t>
             </a:r>
             <a:endParaRPr lang="en-US" sz="1600" b="1" i="1" dirty="0"/>
           </a:p>
@@ -6030,10 +6030,10 @@
           <a:lstStyle/>
           <a:p>
             <a:r>
-              <a:rPr lang="en-US" sz="1600">
+              <a:rPr lang="en-US" sz="1600" dirty="0">
                 <a:hlinkClick r:id="rId3"/>
               </a:rPr>
-              <a:t>https://www.youtube.com/watch?v=N_KxVoq2HyM&amp;list=PLC3y8-rFHvwilEuCqFGTL5Gt5U6deIrsU&amp;index=5</a:t>
+              <a:t>https://www.youtube.com/watch?v=cRvqC9hPbLI&amp;list=PLC3y8-rFHvwilEuCqFGTL5Gt5U6deIrsU&amp;index=6</a:t>
             </a:r>
             <a:endParaRPr lang="en-US" sz="1600" b="1" i="1" dirty="0"/>
           </a:p>
@@ -6351,10 +6351,10 @@
           <a:lstStyle/>
           <a:p>
             <a:r>
-              <a:rPr lang="en-US" sz="1600">
+              <a:rPr lang="en-US" sz="1600" dirty="0">
                 <a:hlinkClick r:id="rId2"/>
               </a:rPr>
-              <a:t>https://www.youtube.com/watch?v=N_KxVoq2HyM&amp;list=PLC3y8-rFHvwilEuCqFGTL5Gt5U6deIrsU&amp;index=5</a:t>
+              <a:t>https://www.youtube.com/watch?v=cRvqC9hPbLI&amp;list=PLC3y8-rFHvwilEuCqFGTL5Gt5U6deIrsU&amp;index=6</a:t>
             </a:r>
             <a:endParaRPr lang="en-US" sz="1600" b="1" i="1" dirty="0"/>
           </a:p>
@@ -6673,10 +6673,10 @@
           <a:lstStyle/>
           <a:p>
             <a:r>
-              <a:rPr lang="en-US" sz="1600">
+              <a:rPr lang="en-US" sz="1600" dirty="0">
                 <a:hlinkClick r:id="rId2"/>
               </a:rPr>
-              <a:t>https://www.youtube.com/watch?v=N_KxVoq2HyM&amp;list=PLC3y8-rFHvwilEuCqFGTL5Gt5U6deIrsU&amp;index=5</a:t>
+              <a:t>https://www.youtube.com/watch?v=cRvqC9hPbLI&amp;list=PLC3y8-rFHvwilEuCqFGTL5Gt5U6deIrsU&amp;index=6</a:t>
             </a:r>
             <a:endParaRPr lang="en-US" sz="1600" b="1" i="1" dirty="0"/>
           </a:p>
@@ -7025,10 +7025,10 @@
           <a:lstStyle/>
           <a:p>
             <a:r>
-              <a:rPr lang="en-US" sz="1600">
+              <a:rPr lang="en-US" sz="1600" dirty="0">
                 <a:hlinkClick r:id="rId2"/>
               </a:rPr>
-              <a:t>https://www.youtube.com/watch?v=N_KxVoq2HyM&amp;list=PLC3y8-rFHvwilEuCqFGTL5Gt5U6deIrsU&amp;index=5</a:t>
+              <a:t>https://www.youtube.com/watch?v=cRvqC9hPbLI&amp;list=PLC3y8-rFHvwilEuCqFGTL5Gt5U6deIrsU&amp;index=6</a:t>
             </a:r>
             <a:endParaRPr lang="en-US" sz="1600" b="1" i="1" dirty="0"/>
           </a:p>

--- a/ch06_ButtonToggle/Ch06_ButtonToggle.pptx
+++ b/ch06_ButtonToggle/Ch06_ButtonToggle.pptx
@@ -3486,7 +3486,7 @@
                   <a:srgbClr val="FFFF00"/>
                 </a:solidFill>
               </a:rPr>
-              <a:t>5 Button</a:t>
+              <a:t>6 Button Toggle</a:t>
             </a:r>
             <a:endParaRPr lang="zh-TW" altLang="en-US" sz="4800" b="1" dirty="0">
               <a:solidFill>
@@ -3684,7 +3684,7 @@
                   <a:srgbClr val="FFFF00"/>
                 </a:solidFill>
               </a:rPr>
-              <a:t>5 Button</a:t>
+              <a:t>6 Button Toggle</a:t>
             </a:r>
             <a:endParaRPr lang="zh-TW" altLang="en-US" b="1" dirty="0">
               <a:solidFill>
@@ -4108,7 +4108,7 @@
                   <a:srgbClr val="FFFF00"/>
                 </a:solidFill>
               </a:rPr>
-              <a:t>5 Button</a:t>
+              <a:t>6 Button Toggle</a:t>
             </a:r>
             <a:endParaRPr lang="zh-TW" altLang="en-US" b="1" dirty="0">
               <a:solidFill>
@@ -4660,7 +4660,7 @@
                   <a:srgbClr val="FFFF00"/>
                 </a:solidFill>
               </a:rPr>
-              <a:t>5 Button</a:t>
+              <a:t>6 Button Toggle</a:t>
             </a:r>
             <a:endParaRPr lang="zh-TW" altLang="en-US" b="1" dirty="0">
               <a:solidFill>
@@ -5177,7 +5177,7 @@
                   <a:srgbClr val="FFFF00"/>
                 </a:solidFill>
               </a:rPr>
-              <a:t>5 Button</a:t>
+              <a:t>6 Button Toggle</a:t>
             </a:r>
             <a:endParaRPr lang="zh-TW" altLang="en-US" b="1" dirty="0">
               <a:solidFill>
@@ -5551,7 +5551,7 @@
                   <a:srgbClr val="FFFF00"/>
                 </a:solidFill>
               </a:rPr>
-              <a:t>5 Button</a:t>
+              <a:t>6 Button Toggle</a:t>
             </a:r>
             <a:endParaRPr lang="zh-TW" altLang="en-US" b="1" dirty="0">
               <a:solidFill>
@@ -5925,7 +5925,7 @@
                   <a:srgbClr val="FFFF00"/>
                 </a:solidFill>
               </a:rPr>
-              <a:t>5 Button</a:t>
+              <a:t>6 Button Toggle</a:t>
             </a:r>
             <a:endParaRPr lang="zh-TW" altLang="en-US" b="1" dirty="0">
               <a:solidFill>
@@ -6229,7 +6229,7 @@
                   <a:srgbClr val="FFFF00"/>
                 </a:solidFill>
               </a:rPr>
-              <a:t>5 Button</a:t>
+              <a:t>6 Button Toggle</a:t>
             </a:r>
             <a:endParaRPr lang="zh-TW" altLang="en-US" b="1" dirty="0">
               <a:solidFill>
@@ -6568,7 +6568,7 @@
                   <a:srgbClr val="FFFF00"/>
                 </a:solidFill>
               </a:rPr>
-              <a:t>5 Button</a:t>
+              <a:t>6 Button Toggle</a:t>
             </a:r>
             <a:endParaRPr lang="zh-TW" altLang="en-US" b="1" dirty="0">
               <a:solidFill>
@@ -6890,7 +6890,7 @@
                   <a:srgbClr val="FFFF00"/>
                 </a:solidFill>
               </a:rPr>
-              <a:t>5 Button</a:t>
+              <a:t>6 Button Toggle</a:t>
             </a:r>
             <a:endParaRPr lang="zh-TW" altLang="en-US" b="1" dirty="0">
               <a:solidFill>
